--- a/Mundial/Flyer Mundial.pptx
+++ b/Mundial/Flyer Mundial.pptx
@@ -243,7 +243,7 @@
           <a:p>
             <a:fld id="{0D1F4ED0-5233-4976-80A5-CB54712F2D41}" type="datetimeFigureOut">
               <a:rPr lang="es-CL" smtClean="0"/>
-              <a:t>17-01-2017</a:t>
+              <a:t>18-01-2017</a:t>
             </a:fld>
             <a:endParaRPr lang="es-CL"/>
           </a:p>
@@ -413,7 +413,7 @@
           <a:p>
             <a:fld id="{0D1F4ED0-5233-4976-80A5-CB54712F2D41}" type="datetimeFigureOut">
               <a:rPr lang="es-CL" smtClean="0"/>
-              <a:t>17-01-2017</a:t>
+              <a:t>18-01-2017</a:t>
             </a:fld>
             <a:endParaRPr lang="es-CL"/>
           </a:p>
@@ -593,7 +593,7 @@
           <a:p>
             <a:fld id="{0D1F4ED0-5233-4976-80A5-CB54712F2D41}" type="datetimeFigureOut">
               <a:rPr lang="es-CL" smtClean="0"/>
-              <a:t>17-01-2017</a:t>
+              <a:t>18-01-2017</a:t>
             </a:fld>
             <a:endParaRPr lang="es-CL"/>
           </a:p>
@@ -763,7 +763,7 @@
           <a:p>
             <a:fld id="{0D1F4ED0-5233-4976-80A5-CB54712F2D41}" type="datetimeFigureOut">
               <a:rPr lang="es-CL" smtClean="0"/>
-              <a:t>17-01-2017</a:t>
+              <a:t>18-01-2017</a:t>
             </a:fld>
             <a:endParaRPr lang="es-CL"/>
           </a:p>
@@ -1007,7 +1007,7 @@
           <a:p>
             <a:fld id="{0D1F4ED0-5233-4976-80A5-CB54712F2D41}" type="datetimeFigureOut">
               <a:rPr lang="es-CL" smtClean="0"/>
-              <a:t>17-01-2017</a:t>
+              <a:t>18-01-2017</a:t>
             </a:fld>
             <a:endParaRPr lang="es-CL"/>
           </a:p>
@@ -1239,7 +1239,7 @@
           <a:p>
             <a:fld id="{0D1F4ED0-5233-4976-80A5-CB54712F2D41}" type="datetimeFigureOut">
               <a:rPr lang="es-CL" smtClean="0"/>
-              <a:t>17-01-2017</a:t>
+              <a:t>18-01-2017</a:t>
             </a:fld>
             <a:endParaRPr lang="es-CL"/>
           </a:p>
@@ -1606,7 +1606,7 @@
           <a:p>
             <a:fld id="{0D1F4ED0-5233-4976-80A5-CB54712F2D41}" type="datetimeFigureOut">
               <a:rPr lang="es-CL" smtClean="0"/>
-              <a:t>17-01-2017</a:t>
+              <a:t>18-01-2017</a:t>
             </a:fld>
             <a:endParaRPr lang="es-CL"/>
           </a:p>
@@ -1724,7 +1724,7 @@
           <a:p>
             <a:fld id="{0D1F4ED0-5233-4976-80A5-CB54712F2D41}" type="datetimeFigureOut">
               <a:rPr lang="es-CL" smtClean="0"/>
-              <a:t>17-01-2017</a:t>
+              <a:t>18-01-2017</a:t>
             </a:fld>
             <a:endParaRPr lang="es-CL"/>
           </a:p>
@@ -1819,7 +1819,7 @@
           <a:p>
             <a:fld id="{0D1F4ED0-5233-4976-80A5-CB54712F2D41}" type="datetimeFigureOut">
               <a:rPr lang="es-CL" smtClean="0"/>
-              <a:t>17-01-2017</a:t>
+              <a:t>18-01-2017</a:t>
             </a:fld>
             <a:endParaRPr lang="es-CL"/>
           </a:p>
@@ -2096,7 +2096,7 @@
           <a:p>
             <a:fld id="{0D1F4ED0-5233-4976-80A5-CB54712F2D41}" type="datetimeFigureOut">
               <a:rPr lang="es-CL" smtClean="0"/>
-              <a:t>17-01-2017</a:t>
+              <a:t>18-01-2017</a:t>
             </a:fld>
             <a:endParaRPr lang="es-CL"/>
           </a:p>
@@ -2353,7 +2353,7 @@
           <a:p>
             <a:fld id="{0D1F4ED0-5233-4976-80A5-CB54712F2D41}" type="datetimeFigureOut">
               <a:rPr lang="es-CL" smtClean="0"/>
-              <a:t>17-01-2017</a:t>
+              <a:t>18-01-2017</a:t>
             </a:fld>
             <a:endParaRPr lang="es-CL"/>
           </a:p>
@@ -2566,7 +2566,7 @@
           <a:p>
             <a:fld id="{0D1F4ED0-5233-4976-80A5-CB54712F2D41}" type="datetimeFigureOut">
               <a:rPr lang="es-CL" smtClean="0"/>
-              <a:t>17-01-2017</a:t>
+              <a:t>18-01-2017</a:t>
             </a:fld>
             <a:endParaRPr lang="es-CL"/>
           </a:p>
@@ -3005,9 +3005,330 @@
           <a:chExt cx="0" cy="0"/>
         </a:xfrm>
       </p:grpSpPr>
+      <p:sp>
+        <p:nvSpPr>
+          <p:cNvPr id="11" name="CuadroTexto 10"/>
+          <p:cNvSpPr txBox="1"/>
+          <p:nvPr/>
+        </p:nvSpPr>
+        <p:spPr>
+          <a:xfrm>
+            <a:off x="2057412" y="1600200"/>
+            <a:ext cx="2971800" cy="369332"/>
+          </a:xfrm>
+          <a:prstGeom prst="rect">
+            <a:avLst/>
+          </a:prstGeom>
+          <a:noFill/>
+        </p:spPr>
+        <p:txBody>
+          <a:bodyPr wrap="square" rtlCol="0">
+            <a:spAutoFit/>
+          </a:bodyPr>
+          <a:lstStyle/>
+          <a:p>
+            <a:endParaRPr lang="es-CL" dirty="0"/>
+          </a:p>
+        </p:txBody>
+      </p:sp>
+      <p:sp>
+        <p:nvSpPr>
+          <p:cNvPr id="4" name="CuadroTexto 3"/>
+          <p:cNvSpPr txBox="1"/>
+          <p:nvPr/>
+        </p:nvSpPr>
+        <p:spPr>
+          <a:xfrm>
+            <a:off x="314325" y="3876555"/>
+            <a:ext cx="5581650" cy="461665"/>
+          </a:xfrm>
+          <a:prstGeom prst="rect">
+            <a:avLst/>
+          </a:prstGeom>
+          <a:noFill/>
+        </p:spPr>
+        <p:txBody>
+          <a:bodyPr wrap="square" rtlCol="0">
+            <a:spAutoFit/>
+          </a:bodyPr>
+          <a:lstStyle/>
+          <a:p>
+            <a:r>
+              <a:rPr lang="es-CL" sz="2400" dirty="0" err="1">
+                <a:latin typeface="Roboto" pitchFamily="2" charset="0"/>
+                <a:ea typeface="Roboto" pitchFamily="2" charset="0"/>
+              </a:rPr>
+              <a:t>Sabado</a:t>
+            </a:r>
+            <a:r>
+              <a:rPr lang="es-CL" sz="2400" dirty="0">
+                <a:latin typeface="Roboto" pitchFamily="2" charset="0"/>
+                <a:ea typeface="Roboto" pitchFamily="2" charset="0"/>
+              </a:rPr>
+              <a:t> 13 de Mayo</a:t>
+            </a:r>
+          </a:p>
+        </p:txBody>
+      </p:sp>
+      <p:sp>
+        <p:nvSpPr>
+          <p:cNvPr id="7" name="CuadroTexto 6"/>
+          <p:cNvSpPr txBox="1"/>
+          <p:nvPr/>
+        </p:nvSpPr>
+        <p:spPr>
+          <a:xfrm>
+            <a:off x="314325" y="4517432"/>
+            <a:ext cx="5581650" cy="461665"/>
+          </a:xfrm>
+          <a:prstGeom prst="rect">
+            <a:avLst/>
+          </a:prstGeom>
+          <a:noFill/>
+        </p:spPr>
+        <p:txBody>
+          <a:bodyPr wrap="square" rtlCol="0">
+            <a:spAutoFit/>
+          </a:bodyPr>
+          <a:lstStyle/>
+          <a:p>
+            <a:r>
+              <a:rPr lang="es-CL" sz="2400" dirty="0" err="1">
+                <a:latin typeface="Roboto" pitchFamily="2" charset="0"/>
+                <a:ea typeface="Roboto" pitchFamily="2" charset="0"/>
+              </a:rPr>
+              <a:t>Av</a:t>
+            </a:r>
+            <a:r>
+              <a:rPr lang="es-CL" sz="2400" dirty="0">
+                <a:latin typeface="Roboto" pitchFamily="2" charset="0"/>
+                <a:ea typeface="Roboto" pitchFamily="2" charset="0"/>
+              </a:rPr>
+              <a:t> Holanda 2323</a:t>
+            </a:r>
+          </a:p>
+        </p:txBody>
+      </p:sp>
+      <p:sp>
+        <p:nvSpPr>
+          <p:cNvPr id="8" name="CuadroTexto 7"/>
+          <p:cNvSpPr txBox="1"/>
+          <p:nvPr/>
+        </p:nvSpPr>
+        <p:spPr>
+          <a:xfrm>
+            <a:off x="314325" y="5141195"/>
+            <a:ext cx="5581650" cy="461665"/>
+          </a:xfrm>
+          <a:prstGeom prst="rect">
+            <a:avLst/>
+          </a:prstGeom>
+          <a:noFill/>
+        </p:spPr>
+        <p:txBody>
+          <a:bodyPr wrap="square" rtlCol="0">
+            <a:spAutoFit/>
+          </a:bodyPr>
+          <a:lstStyle/>
+          <a:p>
+            <a:r>
+              <a:rPr lang="es-CL" sz="2400" dirty="0" err="1">
+                <a:latin typeface="Roboto" pitchFamily="2" charset="0"/>
+                <a:ea typeface="Roboto" pitchFamily="2" charset="0"/>
+              </a:rPr>
+              <a:t>Inscripcion</a:t>
+            </a:r>
+            <a:r>
+              <a:rPr lang="es-CL" sz="2400" dirty="0">
+                <a:latin typeface="Roboto" pitchFamily="2" charset="0"/>
+                <a:ea typeface="Roboto" pitchFamily="2" charset="0"/>
+              </a:rPr>
+              <a:t> $18.000</a:t>
+            </a:r>
+          </a:p>
+        </p:txBody>
+      </p:sp>
+      <p:sp>
+        <p:nvSpPr>
+          <p:cNvPr id="9" name="CuadroTexto 8"/>
+          <p:cNvSpPr txBox="1"/>
+          <p:nvPr/>
+        </p:nvSpPr>
+        <p:spPr>
+          <a:xfrm>
+            <a:off x="314325" y="5812030"/>
+            <a:ext cx="6510712" cy="461665"/>
+          </a:xfrm>
+          <a:prstGeom prst="rect">
+            <a:avLst/>
+          </a:prstGeom>
+          <a:noFill/>
+        </p:spPr>
+        <p:txBody>
+          <a:bodyPr wrap="square" rtlCol="0">
+            <a:spAutoFit/>
+          </a:bodyPr>
+          <a:lstStyle/>
+          <a:p>
+            <a:r>
+              <a:rPr lang="es-CL" sz="2400" dirty="0">
+                <a:latin typeface="Roboto" pitchFamily="2" charset="0"/>
+                <a:ea typeface="Roboto" pitchFamily="2" charset="0"/>
+              </a:rPr>
+              <a:t>Gana hasta $100.000 en </a:t>
+            </a:r>
+            <a:r>
+              <a:rPr lang="es-CL" sz="2400" dirty="0" err="1">
+                <a:latin typeface="Roboto" pitchFamily="2" charset="0"/>
+                <a:ea typeface="Roboto" pitchFamily="2" charset="0"/>
+              </a:rPr>
+              <a:t>Steam</a:t>
+            </a:r>
+            <a:endParaRPr lang="es-CL" sz="2400" dirty="0">
+              <a:latin typeface="Roboto" pitchFamily="2" charset="0"/>
+              <a:ea typeface="Roboto" pitchFamily="2" charset="0"/>
+            </a:endParaRPr>
+          </a:p>
+        </p:txBody>
+      </p:sp>
+      <p:sp>
+        <p:nvSpPr>
+          <p:cNvPr id="12" name="CuadroTexto 11"/>
+          <p:cNvSpPr txBox="1"/>
+          <p:nvPr/>
+        </p:nvSpPr>
+        <p:spPr>
+          <a:xfrm>
+            <a:off x="58621" y="7463505"/>
+            <a:ext cx="5581650" cy="1015663"/>
+          </a:xfrm>
+          <a:prstGeom prst="rect">
+            <a:avLst/>
+          </a:prstGeom>
+          <a:noFill/>
+        </p:spPr>
+        <p:txBody>
+          <a:bodyPr wrap="square" rtlCol="0">
+            <a:spAutoFit/>
+          </a:bodyPr>
+          <a:lstStyle/>
+          <a:p>
+            <a:r>
+              <a:rPr lang="es-CL" sz="1600" dirty="0">
+                <a:latin typeface="Roboto" pitchFamily="2" charset="0"/>
+                <a:ea typeface="Roboto" pitchFamily="2" charset="0"/>
+              </a:rPr>
+              <a:t>Organiza</a:t>
+            </a:r>
+            <a:r>
+              <a:rPr lang="es-CL" sz="2400" dirty="0">
+                <a:latin typeface="Roboto" pitchFamily="2" charset="0"/>
+                <a:ea typeface="Roboto" pitchFamily="2" charset="0"/>
+              </a:rPr>
+              <a:t>:</a:t>
+            </a:r>
+          </a:p>
+          <a:p>
+            <a:endParaRPr lang="es-CL" sz="3600" dirty="0">
+              <a:solidFill>
+                <a:schemeClr val="bg1"/>
+              </a:solidFill>
+            </a:endParaRPr>
+          </a:p>
+        </p:txBody>
+      </p:sp>
+      <p:sp>
+        <p:nvSpPr>
+          <p:cNvPr id="13" name="CuadroTexto 12"/>
+          <p:cNvSpPr txBox="1"/>
+          <p:nvPr/>
+        </p:nvSpPr>
+        <p:spPr>
+          <a:xfrm>
+            <a:off x="2830408" y="7459654"/>
+            <a:ext cx="5581650" cy="1015663"/>
+          </a:xfrm>
+          <a:prstGeom prst="rect">
+            <a:avLst/>
+          </a:prstGeom>
+          <a:noFill/>
+        </p:spPr>
+        <p:txBody>
+          <a:bodyPr wrap="square" rtlCol="0">
+            <a:spAutoFit/>
+          </a:bodyPr>
+          <a:lstStyle/>
+          <a:p>
+            <a:r>
+              <a:rPr lang="es-CL" sz="1600" dirty="0">
+                <a:latin typeface="Roboto" pitchFamily="2" charset="0"/>
+                <a:ea typeface="Roboto" pitchFamily="2" charset="0"/>
+              </a:rPr>
+              <a:t>Auspicia</a:t>
+            </a:r>
+            <a:r>
+              <a:rPr lang="es-CL" sz="2400" dirty="0">
+                <a:latin typeface="Roboto" pitchFamily="2" charset="0"/>
+                <a:ea typeface="Roboto" pitchFamily="2" charset="0"/>
+              </a:rPr>
+              <a:t>:</a:t>
+            </a:r>
+          </a:p>
+          <a:p>
+            <a:endParaRPr lang="es-CL" sz="3600" dirty="0">
+              <a:solidFill>
+                <a:schemeClr val="bg1"/>
+              </a:solidFill>
+            </a:endParaRPr>
+          </a:p>
+        </p:txBody>
+      </p:sp>
+      <p:sp>
+        <p:nvSpPr>
+          <p:cNvPr id="6" name="CuadroTexto 5"/>
+          <p:cNvSpPr txBox="1"/>
+          <p:nvPr/>
+        </p:nvSpPr>
+        <p:spPr>
+          <a:xfrm>
+            <a:off x="438150" y="609600"/>
+            <a:ext cx="3333750" cy="461665"/>
+          </a:xfrm>
+          <a:prstGeom prst="rect">
+            <a:avLst/>
+          </a:prstGeom>
+          <a:noFill/>
+        </p:spPr>
+        <p:txBody>
+          <a:bodyPr wrap="square" rtlCol="0">
+            <a:spAutoFit/>
+          </a:bodyPr>
+          <a:lstStyle/>
+          <a:p>
+            <a:r>
+              <a:rPr lang="es-CL" sz="2400" dirty="0">
+                <a:latin typeface="Roboto" pitchFamily="2" charset="0"/>
+                <a:ea typeface="Roboto" pitchFamily="2" charset="0"/>
+              </a:rPr>
+              <a:t>1° Torneo </a:t>
+            </a:r>
+            <a:r>
+              <a:rPr lang="es-CL" sz="2400" dirty="0" err="1">
+                <a:latin typeface="Roboto" pitchFamily="2" charset="0"/>
+                <a:ea typeface="Roboto" pitchFamily="2" charset="0"/>
+              </a:rPr>
+              <a:t>Interescolar</a:t>
+            </a:r>
+            <a:endParaRPr lang="es-CL" sz="2400" dirty="0">
+              <a:latin typeface="Roboto" pitchFamily="2" charset="0"/>
+              <a:ea typeface="Roboto" pitchFamily="2" charset="0"/>
+            </a:endParaRPr>
+          </a:p>
+        </p:txBody>
+      </p:sp>
       <p:pic>
         <p:nvPicPr>
-          <p:cNvPr id="5" name="Imagen 4"/>
+          <p:cNvPr id="15" name="Imagen 14"/>
           <p:cNvPicPr>
             <a:picLocks noChangeAspect="1"/>
           </p:cNvPicPr>
@@ -3027,308 +3348,17 @@
         </p:blipFill>
         <p:spPr>
           <a:xfrm>
-            <a:off x="-342900" y="266700"/>
-            <a:ext cx="8172450" cy="3858093"/>
+            <a:off x="3277167" y="8046555"/>
+            <a:ext cx="932884" cy="932884"/>
           </a:xfrm>
           <a:prstGeom prst="rect">
             <a:avLst/>
           </a:prstGeom>
         </p:spPr>
       </p:pic>
-      <p:sp>
-        <p:nvSpPr>
-          <p:cNvPr id="11" name="CuadroTexto 10"/>
-          <p:cNvSpPr txBox="1"/>
-          <p:nvPr/>
-        </p:nvSpPr>
-        <p:spPr>
-          <a:xfrm>
-            <a:off x="2057412" y="1600200"/>
-            <a:ext cx="2971800" cy="369332"/>
-          </a:xfrm>
-          <a:prstGeom prst="rect">
-            <a:avLst/>
-          </a:prstGeom>
-          <a:noFill/>
-        </p:spPr>
-        <p:txBody>
-          <a:bodyPr wrap="square" rtlCol="0">
-            <a:spAutoFit/>
-          </a:bodyPr>
-          <a:lstStyle/>
-          <a:p>
-            <a:endParaRPr lang="es-CL" dirty="0"/>
-          </a:p>
-        </p:txBody>
-      </p:sp>
-      <p:sp>
-        <p:nvSpPr>
-          <p:cNvPr id="4" name="CuadroTexto 3"/>
-          <p:cNvSpPr txBox="1"/>
-          <p:nvPr/>
-        </p:nvSpPr>
-        <p:spPr>
-          <a:xfrm>
-            <a:off x="342900" y="2901281"/>
-            <a:ext cx="5581650" cy="646331"/>
-          </a:xfrm>
-          <a:prstGeom prst="rect">
-            <a:avLst/>
-          </a:prstGeom>
-          <a:noFill/>
-        </p:spPr>
-        <p:txBody>
-          <a:bodyPr wrap="square" rtlCol="0">
-            <a:spAutoFit/>
-          </a:bodyPr>
-          <a:lstStyle/>
-          <a:p>
-            <a:r>
-              <a:rPr lang="es-CL" sz="3600" dirty="0" err="1">
-                <a:latin typeface="Roboto" pitchFamily="2" charset="0"/>
-                <a:ea typeface="Roboto" pitchFamily="2" charset="0"/>
-              </a:rPr>
-              <a:t>Sabado</a:t>
-            </a:r>
-            <a:r>
-              <a:rPr lang="es-CL" sz="3600" dirty="0">
-                <a:latin typeface="Roboto" pitchFamily="2" charset="0"/>
-                <a:ea typeface="Roboto" pitchFamily="2" charset="0"/>
-              </a:rPr>
-              <a:t> 13 de Mayo</a:t>
-            </a:r>
-          </a:p>
-        </p:txBody>
-      </p:sp>
-      <p:sp>
-        <p:nvSpPr>
-          <p:cNvPr id="7" name="CuadroTexto 6"/>
-          <p:cNvSpPr txBox="1"/>
-          <p:nvPr/>
-        </p:nvSpPr>
-        <p:spPr>
-          <a:xfrm>
-            <a:off x="342900" y="3597722"/>
-            <a:ext cx="5581650" cy="646331"/>
-          </a:xfrm>
-          <a:prstGeom prst="rect">
-            <a:avLst/>
-          </a:prstGeom>
-          <a:noFill/>
-        </p:spPr>
-        <p:txBody>
-          <a:bodyPr wrap="square" rtlCol="0">
-            <a:spAutoFit/>
-          </a:bodyPr>
-          <a:lstStyle/>
-          <a:p>
-            <a:r>
-              <a:rPr lang="es-CL" sz="3600" dirty="0" err="1"/>
-              <a:t>Av</a:t>
-            </a:r>
-            <a:r>
-              <a:rPr lang="es-CL" sz="3600" dirty="0"/>
-              <a:t> Holanda 2323</a:t>
-            </a:r>
-          </a:p>
-        </p:txBody>
-      </p:sp>
-      <p:sp>
-        <p:nvSpPr>
-          <p:cNvPr id="8" name="CuadroTexto 7"/>
-          <p:cNvSpPr txBox="1"/>
-          <p:nvPr/>
-        </p:nvSpPr>
-        <p:spPr>
-          <a:xfrm>
-            <a:off x="342900" y="4298544"/>
-            <a:ext cx="5581650" cy="646331"/>
-          </a:xfrm>
-          <a:prstGeom prst="rect">
-            <a:avLst/>
-          </a:prstGeom>
-          <a:noFill/>
-        </p:spPr>
-        <p:txBody>
-          <a:bodyPr wrap="square" rtlCol="0">
-            <a:spAutoFit/>
-          </a:bodyPr>
-          <a:lstStyle/>
-          <a:p>
-            <a:r>
-              <a:rPr lang="es-CL" sz="3600" dirty="0" err="1"/>
-              <a:t>Inscripcion</a:t>
-            </a:r>
-            <a:r>
-              <a:rPr lang="es-CL" sz="3600" dirty="0"/>
-              <a:t> $18.000</a:t>
-            </a:r>
-          </a:p>
-        </p:txBody>
-      </p:sp>
-      <p:sp>
-        <p:nvSpPr>
-          <p:cNvPr id="9" name="CuadroTexto 8"/>
-          <p:cNvSpPr txBox="1"/>
-          <p:nvPr/>
-        </p:nvSpPr>
-        <p:spPr>
-          <a:xfrm>
-            <a:off x="347288" y="4989091"/>
-            <a:ext cx="6510712" cy="646331"/>
-          </a:xfrm>
-          <a:prstGeom prst="rect">
-            <a:avLst/>
-          </a:prstGeom>
-          <a:noFill/>
-        </p:spPr>
-        <p:txBody>
-          <a:bodyPr wrap="square" rtlCol="0">
-            <a:spAutoFit/>
-          </a:bodyPr>
-          <a:lstStyle/>
-          <a:p>
-            <a:r>
-              <a:rPr lang="es-CL" sz="3600" dirty="0"/>
-              <a:t>Gana </a:t>
-            </a:r>
-            <a:r>
-              <a:rPr lang="es-CL" sz="3600" dirty="0">
-                <a:latin typeface="Roboto" pitchFamily="2" charset="0"/>
-                <a:ea typeface="Roboto" pitchFamily="2" charset="0"/>
-              </a:rPr>
-              <a:t>hasta</a:t>
-            </a:r>
-            <a:r>
-              <a:rPr lang="es-CL" sz="3600" dirty="0"/>
-              <a:t> $100.000 en </a:t>
-            </a:r>
-            <a:r>
-              <a:rPr lang="es-CL" sz="3600" dirty="0" err="1"/>
-              <a:t>Steam</a:t>
-            </a:r>
-            <a:endParaRPr lang="es-CL" sz="3600" dirty="0"/>
-          </a:p>
-        </p:txBody>
-      </p:sp>
-      <p:sp>
-        <p:nvSpPr>
-          <p:cNvPr id="12" name="CuadroTexto 11"/>
-          <p:cNvSpPr txBox="1"/>
-          <p:nvPr/>
-        </p:nvSpPr>
-        <p:spPr>
-          <a:xfrm>
-            <a:off x="342900" y="5852233"/>
-            <a:ext cx="5581650" cy="1200329"/>
-          </a:xfrm>
-          <a:prstGeom prst="rect">
-            <a:avLst/>
-          </a:prstGeom>
-          <a:noFill/>
-        </p:spPr>
-        <p:txBody>
-          <a:bodyPr wrap="square" rtlCol="0">
-            <a:spAutoFit/>
-          </a:bodyPr>
-          <a:lstStyle/>
-          <a:p>
-            <a:r>
-              <a:rPr lang="es-CL" sz="3600" dirty="0"/>
-              <a:t>Organiza:</a:t>
-            </a:r>
-          </a:p>
-          <a:p>
-            <a:endParaRPr lang="es-CL" sz="3600" dirty="0">
-              <a:solidFill>
-                <a:schemeClr val="bg1"/>
-              </a:solidFill>
-            </a:endParaRPr>
-          </a:p>
-        </p:txBody>
-      </p:sp>
-      <p:sp>
-        <p:nvSpPr>
-          <p:cNvPr id="13" name="CuadroTexto 12"/>
-          <p:cNvSpPr txBox="1"/>
-          <p:nvPr/>
-        </p:nvSpPr>
-        <p:spPr>
-          <a:xfrm>
-            <a:off x="3543312" y="5889435"/>
-            <a:ext cx="5581650" cy="1200329"/>
-          </a:xfrm>
-          <a:prstGeom prst="rect">
-            <a:avLst/>
-          </a:prstGeom>
-          <a:noFill/>
-        </p:spPr>
-        <p:txBody>
-          <a:bodyPr wrap="square" rtlCol="0">
-            <a:spAutoFit/>
-          </a:bodyPr>
-          <a:lstStyle/>
-          <a:p>
-            <a:r>
-              <a:rPr lang="es-CL" sz="3600" dirty="0"/>
-              <a:t>Auspicia:</a:t>
-            </a:r>
-          </a:p>
-          <a:p>
-            <a:endParaRPr lang="es-CL" sz="3600" dirty="0">
-              <a:solidFill>
-                <a:schemeClr val="bg1"/>
-              </a:solidFill>
-            </a:endParaRPr>
-          </a:p>
-        </p:txBody>
-      </p:sp>
-      <p:sp>
-        <p:nvSpPr>
-          <p:cNvPr id="6" name="CuadroTexto 5"/>
-          <p:cNvSpPr txBox="1"/>
-          <p:nvPr/>
-        </p:nvSpPr>
-        <p:spPr>
-          <a:xfrm>
-            <a:off x="438150" y="609600"/>
-            <a:ext cx="3333750" cy="461665"/>
-          </a:xfrm>
-          <a:prstGeom prst="rect">
-            <a:avLst/>
-          </a:prstGeom>
-          <a:noFill/>
-        </p:spPr>
-        <p:txBody>
-          <a:bodyPr wrap="square" rtlCol="0">
-            <a:spAutoFit/>
-          </a:bodyPr>
-          <a:lstStyle/>
-          <a:p>
-            <a:r>
-              <a:rPr lang="es-CL" sz="2400" dirty="0">
-                <a:latin typeface="Roboto" pitchFamily="2" charset="0"/>
-                <a:ea typeface="Roboto" pitchFamily="2" charset="0"/>
-              </a:rPr>
-              <a:t>1° Torneo </a:t>
-            </a:r>
-            <a:r>
-              <a:rPr lang="es-CL" sz="2400" dirty="0" err="1">
-                <a:latin typeface="Roboto" pitchFamily="2" charset="0"/>
-                <a:ea typeface="Roboto" pitchFamily="2" charset="0"/>
-              </a:rPr>
-              <a:t>Interescolar</a:t>
-            </a:r>
-            <a:endParaRPr lang="es-CL" sz="2400" dirty="0">
-              <a:latin typeface="Roboto" pitchFamily="2" charset="0"/>
-              <a:ea typeface="Roboto" pitchFamily="2" charset="0"/>
-            </a:endParaRPr>
-          </a:p>
-        </p:txBody>
-      </p:sp>
       <p:pic>
         <p:nvPicPr>
-          <p:cNvPr id="15" name="Imagen 14"/>
+          <p:cNvPr id="16" name="Imagen 15"/>
           <p:cNvPicPr>
             <a:picLocks noChangeAspect="1"/>
           </p:cNvPicPr>
@@ -3348,8 +3378,8 @@
         </p:blipFill>
         <p:spPr>
           <a:xfrm>
-            <a:off x="3528638" y="6599468"/>
-            <a:ext cx="1881562" cy="1881562"/>
+            <a:off x="438151" y="7759213"/>
+            <a:ext cx="1219200" cy="1551710"/>
           </a:xfrm>
           <a:prstGeom prst="rect">
             <a:avLst/>
@@ -3358,7 +3388,7 @@
       </p:pic>
       <p:pic>
         <p:nvPicPr>
-          <p:cNvPr id="16" name="Imagen 15"/>
+          <p:cNvPr id="2" name="Imagen 1"/>
           <p:cNvPicPr>
             <a:picLocks noChangeAspect="1"/>
           </p:cNvPicPr>
@@ -3378,8 +3408,8 @@
         </p:blipFill>
         <p:spPr>
           <a:xfrm>
-            <a:off x="480638" y="6558673"/>
-            <a:ext cx="1824412" cy="2321979"/>
+            <a:off x="0" y="972019"/>
+            <a:ext cx="6858000" cy="3237562"/>
           </a:xfrm>
           <a:prstGeom prst="rect">
             <a:avLst/>

--- a/Mundial/Flyer Mundial.pptx
+++ b/Mundial/Flyer Mundial.pptx
@@ -243,7 +243,7 @@
           <a:p>
             <a:fld id="{0D1F4ED0-5233-4976-80A5-CB54712F2D41}" type="datetimeFigureOut">
               <a:rPr lang="es-CL" smtClean="0"/>
-              <a:t>18-01-2017</a:t>
+              <a:t>19-01-2017</a:t>
             </a:fld>
             <a:endParaRPr lang="es-CL"/>
           </a:p>
@@ -413,7 +413,7 @@
           <a:p>
             <a:fld id="{0D1F4ED0-5233-4976-80A5-CB54712F2D41}" type="datetimeFigureOut">
               <a:rPr lang="es-CL" smtClean="0"/>
-              <a:t>18-01-2017</a:t>
+              <a:t>19-01-2017</a:t>
             </a:fld>
             <a:endParaRPr lang="es-CL"/>
           </a:p>
@@ -593,7 +593,7 @@
           <a:p>
             <a:fld id="{0D1F4ED0-5233-4976-80A5-CB54712F2D41}" type="datetimeFigureOut">
               <a:rPr lang="es-CL" smtClean="0"/>
-              <a:t>18-01-2017</a:t>
+              <a:t>19-01-2017</a:t>
             </a:fld>
             <a:endParaRPr lang="es-CL"/>
           </a:p>
@@ -763,7 +763,7 @@
           <a:p>
             <a:fld id="{0D1F4ED0-5233-4976-80A5-CB54712F2D41}" type="datetimeFigureOut">
               <a:rPr lang="es-CL" smtClean="0"/>
-              <a:t>18-01-2017</a:t>
+              <a:t>19-01-2017</a:t>
             </a:fld>
             <a:endParaRPr lang="es-CL"/>
           </a:p>
@@ -1007,7 +1007,7 @@
           <a:p>
             <a:fld id="{0D1F4ED0-5233-4976-80A5-CB54712F2D41}" type="datetimeFigureOut">
               <a:rPr lang="es-CL" smtClean="0"/>
-              <a:t>18-01-2017</a:t>
+              <a:t>19-01-2017</a:t>
             </a:fld>
             <a:endParaRPr lang="es-CL"/>
           </a:p>
@@ -1239,7 +1239,7 @@
           <a:p>
             <a:fld id="{0D1F4ED0-5233-4976-80A5-CB54712F2D41}" type="datetimeFigureOut">
               <a:rPr lang="es-CL" smtClean="0"/>
-              <a:t>18-01-2017</a:t>
+              <a:t>19-01-2017</a:t>
             </a:fld>
             <a:endParaRPr lang="es-CL"/>
           </a:p>
@@ -1606,7 +1606,7 @@
           <a:p>
             <a:fld id="{0D1F4ED0-5233-4976-80A5-CB54712F2D41}" type="datetimeFigureOut">
               <a:rPr lang="es-CL" smtClean="0"/>
-              <a:t>18-01-2017</a:t>
+              <a:t>19-01-2017</a:t>
             </a:fld>
             <a:endParaRPr lang="es-CL"/>
           </a:p>
@@ -1724,7 +1724,7 @@
           <a:p>
             <a:fld id="{0D1F4ED0-5233-4976-80A5-CB54712F2D41}" type="datetimeFigureOut">
               <a:rPr lang="es-CL" smtClean="0"/>
-              <a:t>18-01-2017</a:t>
+              <a:t>19-01-2017</a:t>
             </a:fld>
             <a:endParaRPr lang="es-CL"/>
           </a:p>
@@ -1819,7 +1819,7 @@
           <a:p>
             <a:fld id="{0D1F4ED0-5233-4976-80A5-CB54712F2D41}" type="datetimeFigureOut">
               <a:rPr lang="es-CL" smtClean="0"/>
-              <a:t>18-01-2017</a:t>
+              <a:t>19-01-2017</a:t>
             </a:fld>
             <a:endParaRPr lang="es-CL"/>
           </a:p>
@@ -2096,7 +2096,7 @@
           <a:p>
             <a:fld id="{0D1F4ED0-5233-4976-80A5-CB54712F2D41}" type="datetimeFigureOut">
               <a:rPr lang="es-CL" smtClean="0"/>
-              <a:t>18-01-2017</a:t>
+              <a:t>19-01-2017</a:t>
             </a:fld>
             <a:endParaRPr lang="es-CL"/>
           </a:p>
@@ -2353,7 +2353,7 @@
           <a:p>
             <a:fld id="{0D1F4ED0-5233-4976-80A5-CB54712F2D41}" type="datetimeFigureOut">
               <a:rPr lang="es-CL" smtClean="0"/>
-              <a:t>18-01-2017</a:t>
+              <a:t>19-01-2017</a:t>
             </a:fld>
             <a:endParaRPr lang="es-CL"/>
           </a:p>
@@ -2566,7 +2566,7 @@
           <a:p>
             <a:fld id="{0D1F4ED0-5233-4976-80A5-CB54712F2D41}" type="datetimeFigureOut">
               <a:rPr lang="es-CL" smtClean="0"/>
-              <a:t>18-01-2017</a:t>
+              <a:t>19-01-2017</a:t>
             </a:fld>
             <a:endParaRPr lang="es-CL"/>
           </a:p>
@@ -3291,8 +3291,8 @@
         </p:nvSpPr>
         <p:spPr>
           <a:xfrm>
-            <a:off x="438150" y="609600"/>
-            <a:ext cx="3333750" cy="461665"/>
+            <a:off x="438149" y="609600"/>
+            <a:ext cx="5202121" cy="461665"/>
           </a:xfrm>
           <a:prstGeom prst="rect">
             <a:avLst/>
@@ -3319,10 +3319,13 @@
               </a:rPr>
               <a:t>Interescolar</a:t>
             </a:r>
-            <a:endParaRPr lang="es-CL" sz="2400" dirty="0">
-              <a:latin typeface="Roboto" pitchFamily="2" charset="0"/>
-              <a:ea typeface="Roboto" pitchFamily="2" charset="0"/>
-            </a:endParaRPr>
+            <a:r>
+              <a:rPr lang="es-CL" sz="2400" dirty="0">
+                <a:latin typeface="Roboto" pitchFamily="2" charset="0"/>
+                <a:ea typeface="Roboto" pitchFamily="2" charset="0"/>
+              </a:rPr>
+              <a:t> </a:t>
+            </a:r>
           </a:p>
         </p:txBody>
       </p:sp>
@@ -3408,8 +3411,8 @@
         </p:blipFill>
         <p:spPr>
           <a:xfrm>
-            <a:off x="0" y="972019"/>
-            <a:ext cx="6858000" cy="3237562"/>
+            <a:off x="-114788" y="774075"/>
+            <a:ext cx="7399506" cy="3493200"/>
           </a:xfrm>
           <a:prstGeom prst="rect">
             <a:avLst/>
